--- a/public/powerpoints/faded_1.pptx
+++ b/public/powerpoints/faded_1.pptx
@@ -3454,7 +3454,7 @@
           <a:p>
             <a:r>
               <a:rPr dirty="0" lang="en-US" smtClean="0"/>
-              <a:t>Edit</a:t>
+              <a:t>Edit Linh Nguyen</a:t>
             </a:r>
             <a:endParaRPr lang="en-US"/>
           </a:p>
